--- a/BillieEilish.pptx
+++ b/BillieEilish.pptx
@@ -34,8 +34,8 @@
     <p:sldId id="277" r:id="rId28"/>
     <p:sldId id="278" r:id="rId29"/>
     <p:sldId id="294" r:id="rId30"/>
-    <p:sldId id="305" r:id="rId31"/>
-    <p:sldId id="304" r:id="rId32"/>
+    <p:sldId id="304" r:id="rId31"/>
+    <p:sldId id="285" r:id="rId32"/>
     <p:sldId id="287" r:id="rId33"/>
     <p:sldId id="289" r:id="rId34"/>
     <p:sldId id="290" r:id="rId35"/>
@@ -1918,7 +1918,7 @@
           <a:p>
             <a:fld id="{AACB7A54-84E0-415A-93C4-5FF08A8E9591}" type="datetimeFigureOut">
               <a:rPr lang="en-US" smtClean="0"/>
-              <a:t>4/2/2021</a:t>
+              <a:t>5/28/2021</a:t>
             </a:fld>
             <a:endParaRPr lang="en-US"/>
           </a:p>
@@ -2229,7 +2229,18 @@
           <a:bodyPr/>
           <a:lstStyle/>
           <a:p>
-            <a:endParaRPr lang="en-US" dirty="0"/>
+            <a:r>
+              <a:rPr lang="en-US" dirty="0"/>
+              <a:t>Introduction of COVID-19 variable may have encapsulated the effect of the </a:t>
+            </a:r>
+            <a:r>
+              <a:rPr lang="en-US" dirty="0" err="1"/>
+              <a:t>Days_Until</a:t>
+            </a:r>
+            <a:r>
+              <a:rPr lang="en-US" dirty="0"/>
+              <a:t> variable.</a:t>
+            </a:r>
           </a:p>
         </p:txBody>
       </p:sp>
@@ -2250,6 +2261,204 @@
           <a:p>
             <a:fld id="{CC1B16BA-A9A1-49B6-B8C1-DD85A29F57BA}" type="slidenum">
               <a:rPr lang="en-US" smtClean="0"/>
+              <a:t>18</a:t>
+            </a:fld>
+            <a:endParaRPr lang="en-US"/>
+          </a:p>
+        </p:txBody>
+      </p:sp>
+    </p:spTree>
+    <p:extLst>
+      <p:ext uri="{BB962C8B-B14F-4D97-AF65-F5344CB8AC3E}">
+        <p14:creationId xmlns:p14="http://schemas.microsoft.com/office/powerpoint/2010/main" val="28860552"/>
+      </p:ext>
+    </p:extLst>
+  </p:cSld>
+  <p:clrMapOvr>
+    <a:masterClrMapping/>
+  </p:clrMapOvr>
+</p:notes>
+</file>
+
+<file path=ppt/notesSlides/notesSlide2.xml><?xml version="1.0" encoding="utf-8"?>
+<p:notes xmlns:a="http://schemas.openxmlformats.org/drawingml/2006/main" xmlns:r="http://schemas.openxmlformats.org/officeDocument/2006/relationships" xmlns:p="http://schemas.openxmlformats.org/presentationml/2006/main">
+  <p:cSld>
+    <p:spTree>
+      <p:nvGrpSpPr>
+        <p:cNvPr id="1" name=""/>
+        <p:cNvGrpSpPr/>
+        <p:nvPr/>
+      </p:nvGrpSpPr>
+      <p:grpSpPr>
+        <a:xfrm>
+          <a:off x="0" y="0"/>
+          <a:ext cx="0" cy="0"/>
+          <a:chOff x="0" y="0"/>
+          <a:chExt cx="0" cy="0"/>
+        </a:xfrm>
+      </p:grpSpPr>
+      <p:sp>
+        <p:nvSpPr>
+          <p:cNvPr id="2" name="Slide Image Placeholder 1"/>
+          <p:cNvSpPr>
+            <a:spLocks noGrp="1" noRot="1" noChangeAspect="1"/>
+          </p:cNvSpPr>
+          <p:nvPr>
+            <p:ph type="sldImg"/>
+          </p:nvPr>
+        </p:nvSpPr>
+        <p:spPr/>
+      </p:sp>
+      <p:sp>
+        <p:nvSpPr>
+          <p:cNvPr id="3" name="Notes Placeholder 2"/>
+          <p:cNvSpPr>
+            <a:spLocks noGrp="1"/>
+          </p:cNvSpPr>
+          <p:nvPr>
+            <p:ph type="body" idx="1"/>
+          </p:nvPr>
+        </p:nvSpPr>
+        <p:spPr/>
+        <p:txBody>
+          <a:bodyPr/>
+          <a:lstStyle/>
+          <a:p>
+            <a:pPr marL="171450" indent="-171450">
+              <a:buFontTx/>
+              <a:buChar char="-"/>
+            </a:pPr>
+            <a:r>
+              <a:rPr lang="en-US" dirty="0"/>
+              <a:t>Q-Q Plot may indicate a quadratic trend in the response</a:t>
+            </a:r>
+          </a:p>
+          <a:p>
+            <a:pPr marL="171450" indent="-171450">
+              <a:buFontTx/>
+              <a:buChar char="-"/>
+            </a:pPr>
+            <a:r>
+              <a:rPr lang="en-US" dirty="0"/>
+              <a:t>Histogram shows that the response is skewed right</a:t>
+            </a:r>
+          </a:p>
+          <a:p>
+            <a:pPr marL="171450" indent="-171450">
+              <a:buFontTx/>
+              <a:buChar char="-"/>
+            </a:pPr>
+            <a:r>
+              <a:rPr lang="en-US" dirty="0"/>
+              <a:t>Boxplot of Residuals has some extreme upper outliers</a:t>
+            </a:r>
+          </a:p>
+          <a:p>
+            <a:endParaRPr lang="en-US" dirty="0"/>
+          </a:p>
+        </p:txBody>
+      </p:sp>
+      <p:sp>
+        <p:nvSpPr>
+          <p:cNvPr id="4" name="Slide Number Placeholder 3"/>
+          <p:cNvSpPr>
+            <a:spLocks noGrp="1"/>
+          </p:cNvSpPr>
+          <p:nvPr>
+            <p:ph type="sldNum" sz="quarter" idx="5"/>
+          </p:nvPr>
+        </p:nvSpPr>
+        <p:spPr/>
+        <p:txBody>
+          <a:bodyPr/>
+          <a:lstStyle/>
+          <a:p>
+            <a:fld id="{CC1B16BA-A9A1-49B6-B8C1-DD85A29F57BA}" type="slidenum">
+              <a:rPr lang="en-US" smtClean="0"/>
+              <a:t>23</a:t>
+            </a:fld>
+            <a:endParaRPr lang="en-US"/>
+          </a:p>
+        </p:txBody>
+      </p:sp>
+    </p:spTree>
+    <p:extLst>
+      <p:ext uri="{BB962C8B-B14F-4D97-AF65-F5344CB8AC3E}">
+        <p14:creationId xmlns:p14="http://schemas.microsoft.com/office/powerpoint/2010/main" val="976687880"/>
+      </p:ext>
+    </p:extLst>
+  </p:cSld>
+  <p:clrMapOvr>
+    <a:masterClrMapping/>
+  </p:clrMapOvr>
+</p:notes>
+</file>
+
+<file path=ppt/notesSlides/notesSlide3.xml><?xml version="1.0" encoding="utf-8"?>
+<p:notes xmlns:a="http://schemas.openxmlformats.org/drawingml/2006/main" xmlns:r="http://schemas.openxmlformats.org/officeDocument/2006/relationships" xmlns:p="http://schemas.openxmlformats.org/presentationml/2006/main">
+  <p:cSld>
+    <p:spTree>
+      <p:nvGrpSpPr>
+        <p:cNvPr id="1" name=""/>
+        <p:cNvGrpSpPr/>
+        <p:nvPr/>
+      </p:nvGrpSpPr>
+      <p:grpSpPr>
+        <a:xfrm>
+          <a:off x="0" y="0"/>
+          <a:ext cx="0" cy="0"/>
+          <a:chOff x="0" y="0"/>
+          <a:chExt cx="0" cy="0"/>
+        </a:xfrm>
+      </p:grpSpPr>
+      <p:sp>
+        <p:nvSpPr>
+          <p:cNvPr id="2" name="Slide Image Placeholder 1"/>
+          <p:cNvSpPr>
+            <a:spLocks noGrp="1" noRot="1" noChangeAspect="1"/>
+          </p:cNvSpPr>
+          <p:nvPr>
+            <p:ph type="sldImg"/>
+          </p:nvPr>
+        </p:nvSpPr>
+        <p:spPr/>
+      </p:sp>
+      <p:sp>
+        <p:nvSpPr>
+          <p:cNvPr id="3" name="Notes Placeholder 2"/>
+          <p:cNvSpPr>
+            <a:spLocks noGrp="1"/>
+          </p:cNvSpPr>
+          <p:nvPr>
+            <p:ph type="body" idx="1"/>
+          </p:nvPr>
+        </p:nvSpPr>
+        <p:spPr/>
+        <p:txBody>
+          <a:bodyPr/>
+          <a:lstStyle/>
+          <a:p>
+            <a:endParaRPr lang="en-US" dirty="0"/>
+          </a:p>
+        </p:txBody>
+      </p:sp>
+      <p:sp>
+        <p:nvSpPr>
+          <p:cNvPr id="4" name="Slide Number Placeholder 3"/>
+          <p:cNvSpPr>
+            <a:spLocks noGrp="1"/>
+          </p:cNvSpPr>
+          <p:nvPr>
+            <p:ph type="sldNum" sz="quarter" idx="5"/>
+          </p:nvPr>
+        </p:nvSpPr>
+        <p:spPr/>
+        <p:txBody>
+          <a:bodyPr/>
+          <a:lstStyle/>
+          <a:p>
+            <a:fld id="{CC1B16BA-A9A1-49B6-B8C1-DD85A29F57BA}" type="slidenum">
+              <a:rPr lang="en-US" smtClean="0"/>
               <a:t>24</a:t>
             </a:fld>
             <a:endParaRPr lang="en-US"/>
@@ -2269,7 +2478,118 @@
 </p:notes>
 </file>
 
-<file path=ppt/notesSlides/notesSlide2.xml><?xml version="1.0" encoding="utf-8"?>
+<file path=ppt/notesSlides/notesSlide4.xml><?xml version="1.0" encoding="utf-8"?>
+<p:notes xmlns:a="http://schemas.openxmlformats.org/drawingml/2006/main" xmlns:r="http://schemas.openxmlformats.org/officeDocument/2006/relationships" xmlns:p="http://schemas.openxmlformats.org/presentationml/2006/main">
+  <p:cSld>
+    <p:spTree>
+      <p:nvGrpSpPr>
+        <p:cNvPr id="1" name=""/>
+        <p:cNvGrpSpPr/>
+        <p:nvPr/>
+      </p:nvGrpSpPr>
+      <p:grpSpPr>
+        <a:xfrm>
+          <a:off x="0" y="0"/>
+          <a:ext cx="0" cy="0"/>
+          <a:chOff x="0" y="0"/>
+          <a:chExt cx="0" cy="0"/>
+        </a:xfrm>
+      </p:grpSpPr>
+      <p:sp>
+        <p:nvSpPr>
+          <p:cNvPr id="2" name="Slide Image Placeholder 1"/>
+          <p:cNvSpPr>
+            <a:spLocks noGrp="1" noRot="1" noChangeAspect="1"/>
+          </p:cNvSpPr>
+          <p:nvPr>
+            <p:ph type="sldImg"/>
+          </p:nvPr>
+        </p:nvSpPr>
+        <p:spPr/>
+      </p:sp>
+      <p:sp>
+        <p:nvSpPr>
+          <p:cNvPr id="3" name="Notes Placeholder 2"/>
+          <p:cNvSpPr>
+            <a:spLocks noGrp="1"/>
+          </p:cNvSpPr>
+          <p:nvPr>
+            <p:ph type="body" idx="1"/>
+          </p:nvPr>
+        </p:nvSpPr>
+        <p:spPr/>
+        <p:txBody>
+          <a:bodyPr/>
+          <a:lstStyle/>
+          <a:p>
+            <a:pPr marL="171450" indent="-171450">
+              <a:buFontTx/>
+              <a:buChar char="-"/>
+            </a:pPr>
+            <a:r>
+              <a:rPr lang="en-US" dirty="0"/>
+              <a:t>Q-Q plot is less quadratic than the initial model</a:t>
+            </a:r>
+          </a:p>
+          <a:p>
+            <a:pPr marL="171450" indent="-171450">
+              <a:buFontTx/>
+              <a:buChar char="-"/>
+            </a:pPr>
+            <a:r>
+              <a:rPr lang="en-US" dirty="0"/>
+              <a:t>Histogram shows less skew and closer resemblance to the normal distribution.</a:t>
+            </a:r>
+          </a:p>
+          <a:p>
+            <a:pPr marL="171450" indent="-171450">
+              <a:buFontTx/>
+              <a:buChar char="-"/>
+            </a:pPr>
+            <a:r>
+              <a:rPr lang="en-US" dirty="0"/>
+              <a:t>Boxplot shows that the extreme upper outliers are much closer to Q3 than before.</a:t>
+            </a:r>
+          </a:p>
+        </p:txBody>
+      </p:sp>
+      <p:sp>
+        <p:nvSpPr>
+          <p:cNvPr id="4" name="Slide Number Placeholder 3"/>
+          <p:cNvSpPr>
+            <a:spLocks noGrp="1"/>
+          </p:cNvSpPr>
+          <p:nvPr>
+            <p:ph type="sldNum" sz="quarter" idx="5"/>
+          </p:nvPr>
+        </p:nvSpPr>
+        <p:spPr/>
+        <p:txBody>
+          <a:bodyPr/>
+          <a:lstStyle/>
+          <a:p>
+            <a:fld id="{CC1B16BA-A9A1-49B6-B8C1-DD85A29F57BA}" type="slidenum">
+              <a:rPr lang="en-US" smtClean="0"/>
+              <a:t>33</a:t>
+            </a:fld>
+            <a:endParaRPr lang="en-US"/>
+          </a:p>
+        </p:txBody>
+      </p:sp>
+    </p:spTree>
+    <p:extLst>
+      <p:ext uri="{BB962C8B-B14F-4D97-AF65-F5344CB8AC3E}">
+        <p14:creationId xmlns:p14="http://schemas.microsoft.com/office/powerpoint/2010/main" val="2498283094"/>
+      </p:ext>
+    </p:extLst>
+  </p:cSld>
+  <p:clrMapOvr>
+    <a:masterClrMapping/>
+  </p:clrMapOvr>
+</p:notes>
+</file>
+
+<file path=ppt/notesSlides/notesSlide5.xml><?xml version="1.0" encoding="utf-8"?>
 <p:notes xmlns:a="http://schemas.openxmlformats.org/drawingml/2006/main" xmlns:r="http://schemas.openxmlformats.org/officeDocument/2006/relationships" xmlns:p="http://schemas.openxmlformats.org/presentationml/2006/main">
   <p:cSld>
     <p:spTree>
@@ -2657,7 +2977,7 @@
           <a:p>
             <a:fld id="{9184DA70-C731-4C70-880D-CCD4705E623C}" type="datetime1">
               <a:rPr lang="en-US" smtClean="0"/>
-              <a:t>4/2/2021</a:t>
+              <a:t>5/28/2021</a:t>
             </a:fld>
             <a:endParaRPr lang="en-US" dirty="0"/>
           </a:p>
@@ -2845,7 +3165,7 @@
           <a:p>
             <a:fld id="{B612A279-0833-481D-8C56-F67FD0AC6C50}" type="datetime1">
               <a:rPr lang="en-US" smtClean="0"/>
-              <a:t>4/2/2021</a:t>
+              <a:t>5/28/2021</a:t>
             </a:fld>
             <a:endParaRPr lang="en-US" dirty="0"/>
           </a:p>
@@ -3087,7 +3407,7 @@
           <a:p>
             <a:fld id="{6587DA83-5663-4C9C-B9AA-0B40A3DAFF81}" type="datetime1">
               <a:rPr lang="en-US" smtClean="0"/>
-              <a:t>4/2/2021</a:t>
+              <a:t>5/28/2021</a:t>
             </a:fld>
             <a:endParaRPr lang="en-US" dirty="0"/>
           </a:p>
@@ -3275,7 +3595,7 @@
           <a:p>
             <a:fld id="{4BE1D723-8F53-4F53-90B0-1982A396982E}" type="datetime1">
               <a:rPr lang="en-US" smtClean="0"/>
-              <a:t>4/2/2021</a:t>
+              <a:t>5/28/2021</a:t>
             </a:fld>
             <a:endParaRPr lang="en-US" dirty="0"/>
           </a:p>
@@ -3648,7 +3968,7 @@
           <a:p>
             <a:fld id="{97669AF7-7BEB-44E4-9852-375E34362B5B}" type="datetime1">
               <a:rPr lang="en-US" smtClean="0"/>
-              <a:t>4/2/2021</a:t>
+              <a:t>5/28/2021</a:t>
             </a:fld>
             <a:endParaRPr lang="en-US" dirty="0"/>
           </a:p>
@@ -3903,7 +4223,7 @@
           <a:p>
             <a:fld id="{BAAAC38D-0552-4C82-B593-E6124DFADBE2}" type="datetime1">
               <a:rPr lang="en-US" smtClean="0"/>
-              <a:t>4/2/2021</a:t>
+              <a:t>5/28/2021</a:t>
             </a:fld>
             <a:endParaRPr lang="en-US" dirty="0"/>
           </a:p>
@@ -4300,7 +4620,7 @@
           <a:p>
             <a:fld id="{D9DF0F1C-5577-4ACB-BB62-DF8F3C494C7E}" type="datetime1">
               <a:rPr lang="en-US" smtClean="0"/>
-              <a:t>4/2/2021</a:t>
+              <a:t>5/28/2021</a:t>
             </a:fld>
             <a:endParaRPr lang="en-US" dirty="0"/>
           </a:p>
@@ -4436,7 +4756,7 @@
           <a:p>
             <a:fld id="{1775B394-D9F9-4F0C-B15D-605F45CB9E9F}" type="datetime1">
               <a:rPr lang="en-US" smtClean="0"/>
-              <a:t>4/2/2021</a:t>
+              <a:t>5/28/2021</a:t>
             </a:fld>
             <a:endParaRPr lang="en-US" dirty="0"/>
           </a:p>
@@ -4593,7 +4913,7 @@
           <a:p>
             <a:fld id="{39667345-2558-425A-8533-9BFDBCE15005}" type="datetime1">
               <a:rPr lang="en-US" smtClean="0"/>
-              <a:t>4/2/2021</a:t>
+              <a:t>5/28/2021</a:t>
             </a:fld>
             <a:endParaRPr lang="en-US" dirty="0"/>
           </a:p>
@@ -4922,7 +5242,7 @@
           <a:p>
             <a:fld id="{92BEA474-078D-4E9B-9B14-09A87B19DC46}" type="datetime1">
               <a:rPr lang="en-US" smtClean="0"/>
-              <a:t>4/2/2021</a:t>
+              <a:t>5/28/2021</a:t>
             </a:fld>
             <a:endParaRPr lang="en-US" dirty="0"/>
           </a:p>
@@ -5272,7 +5592,7 @@
           <a:p>
             <a:fld id="{4907D986-8816-4272-A432-0437A28A9828}" type="datetime1">
               <a:rPr lang="en-US" smtClean="0"/>
-              <a:t>4/2/2021</a:t>
+              <a:t>5/28/2021</a:t>
             </a:fld>
             <a:endParaRPr lang="en-US" dirty="0"/>
           </a:p>
@@ -5533,7 +5853,7 @@
           <a:p>
             <a:fld id="{62D6E202-B606-4609-B914-27C9371A1F6D}" type="datetime1">
               <a:rPr lang="en-US" smtClean="0"/>
-              <a:t>4/2/2021</a:t>
+              <a:t>5/28/2021</a:t>
             </a:fld>
             <a:endParaRPr lang="en-US" dirty="0"/>
           </a:p>
@@ -6328,7 +6648,7 @@
           <p:nvPr>
             <p:extLst>
               <p:ext uri="{D42A27DB-BD31-4B8C-83A1-F6EECF244321}">
-                <p14:modId xmlns:p14="http://schemas.microsoft.com/office/powerpoint/2010/main" val="3259047449"/>
+                <p14:modId xmlns:p14="http://schemas.microsoft.com/office/powerpoint/2010/main" val="3021537557"/>
               </p:ext>
             </p:extLst>
           </p:nvPr>
@@ -7728,7 +8048,7 @@
             </a:pPr>
             <a:r>
               <a:rPr lang="en-US" sz="2800" dirty="0"/>
-              <a:t>Estimates were used given Facebook ticket price ranges and based on the other venues’ pricing. This affects the following venues:</a:t>
+              <a:t>Estimates were used given Facebook ticket price ranges and based on the other venues pricing. This affects the following venues:</a:t>
             </a:r>
           </a:p>
           <a:p>
@@ -14110,7 +14430,7 @@
           <p:nvPr/>
         </p:nvPicPr>
         <p:blipFill>
-          <a:blip r:embed="rId2"/>
+          <a:blip r:embed="rId3"/>
           <a:stretch>
             <a:fillRect/>
           </a:stretch>
@@ -14140,7 +14460,7 @@
           <p:nvPr/>
         </p:nvPicPr>
         <p:blipFill>
-          <a:blip r:embed="rId3"/>
+          <a:blip r:embed="rId4"/>
           <a:stretch>
             <a:fillRect/>
           </a:stretch>
@@ -14325,7 +14645,7 @@
             </a:pPr>
             <a:r>
               <a:rPr lang="en-US" sz="2800" dirty="0"/>
-              <a:t>Since none of the explanatory variables have a VIF &gt; 10 (still greater than 5 if that’s what you use), multicollinearity will not be influencing the least square estimates. Thus, none of the variables will be excluded from the model.</a:t>
+              <a:t>Since none of the explanatory variables have a VIF &gt; 10 (still not greater than 5 if that’s what you use), multicollinearity will not be influencing the least square estimates. Thus, none of the variables will be excluded from the model.</a:t>
             </a:r>
           </a:p>
           <a:p>
@@ -15098,7 +15418,7 @@
           <p:nvPr/>
         </p:nvPicPr>
         <p:blipFill>
-          <a:blip r:embed="rId2"/>
+          <a:blip r:embed="rId3"/>
           <a:stretch>
             <a:fillRect/>
           </a:stretch>
@@ -15128,7 +15448,7 @@
           <p:nvPr/>
         </p:nvPicPr>
         <p:blipFill>
-          <a:blip r:embed="rId3"/>
+          <a:blip r:embed="rId4"/>
           <a:stretch>
             <a:fillRect/>
           </a:stretch>
@@ -15902,147 +16222,6 @@
 </file>
 
 <file path=ppt/slides/slide27.xml><?xml version="1.0" encoding="utf-8"?>
-<p:sld xmlns:a="http://schemas.openxmlformats.org/drawingml/2006/main" xmlns:r="http://schemas.openxmlformats.org/officeDocument/2006/relationships" xmlns:p="http://schemas.openxmlformats.org/presentationml/2006/main">
-  <p:cSld>
-    <p:spTree>
-      <p:nvGrpSpPr>
-        <p:cNvPr id="1" name=""/>
-        <p:cNvGrpSpPr/>
-        <p:nvPr/>
-      </p:nvGrpSpPr>
-      <p:grpSpPr>
-        <a:xfrm>
-          <a:off x="0" y="0"/>
-          <a:ext cx="0" cy="0"/>
-          <a:chOff x="0" y="0"/>
-          <a:chExt cx="0" cy="0"/>
-        </a:xfrm>
-      </p:grpSpPr>
-      <p:sp>
-        <p:nvSpPr>
-          <p:cNvPr id="2" name="Title 1">
-            <a:extLst>
-              <a:ext uri="{FF2B5EF4-FFF2-40B4-BE49-F238E27FC236}">
-                <a16:creationId xmlns:a16="http://schemas.microsoft.com/office/drawing/2014/main" id="{5F916C39-8CF8-4611-9B06-4893B2909BD8}"/>
-              </a:ext>
-            </a:extLst>
-          </p:cNvPr>
-          <p:cNvSpPr>
-            <a:spLocks noGrp="1"/>
-          </p:cNvSpPr>
-          <p:nvPr>
-            <p:ph type="title"/>
-          </p:nvPr>
-        </p:nvSpPr>
-        <p:spPr/>
-        <p:txBody>
-          <a:bodyPr/>
-          <a:lstStyle/>
-          <a:p>
-            <a:r>
-              <a:rPr lang="en-US" dirty="0"/>
-              <a:t>Boxcox Transformation</a:t>
-            </a:r>
-          </a:p>
-        </p:txBody>
-      </p:sp>
-      <p:pic>
-        <p:nvPicPr>
-          <p:cNvPr id="4" name="Content Placeholder 3">
-            <a:extLst>
-              <a:ext uri="{FF2B5EF4-FFF2-40B4-BE49-F238E27FC236}">
-                <a16:creationId xmlns:a16="http://schemas.microsoft.com/office/drawing/2014/main" id="{5CDF1864-693B-4C11-8224-4DBC662CFDDD}"/>
-              </a:ext>
-            </a:extLst>
-          </p:cNvPr>
-          <p:cNvPicPr>
-            <a:picLocks noGrp="1" noChangeAspect="1"/>
-          </p:cNvPicPr>
-          <p:nvPr>
-            <p:ph idx="1"/>
-          </p:nvPr>
-        </p:nvPicPr>
-        <p:blipFill>
-          <a:blip r:embed="rId2"/>
-          <a:stretch>
-            <a:fillRect/>
-          </a:stretch>
-        </p:blipFill>
-        <p:spPr>
-          <a:xfrm>
-            <a:off x="1998328" y="2459017"/>
-            <a:ext cx="7249347" cy="1939966"/>
-          </a:xfrm>
-          <a:prstGeom prst="rect">
-            <a:avLst/>
-          </a:prstGeom>
-        </p:spPr>
-      </p:pic>
-      <p:sp>
-        <p:nvSpPr>
-          <p:cNvPr id="5" name="TextBox 4">
-            <a:extLst>
-              <a:ext uri="{FF2B5EF4-FFF2-40B4-BE49-F238E27FC236}">
-                <a16:creationId xmlns:a16="http://schemas.microsoft.com/office/drawing/2014/main" id="{D2DDA59C-4ABE-4A6D-9B75-24928A35AD2A}"/>
-              </a:ext>
-            </a:extLst>
-          </p:cNvPr>
-          <p:cNvSpPr txBox="1"/>
-          <p:nvPr/>
-        </p:nvSpPr>
-        <p:spPr>
-          <a:xfrm>
-            <a:off x="1540042" y="4398982"/>
-            <a:ext cx="9320463" cy="954107"/>
-          </a:xfrm>
-          <a:prstGeom prst="rect">
-            <a:avLst/>
-          </a:prstGeom>
-          <a:noFill/>
-        </p:spPr>
-        <p:txBody>
-          <a:bodyPr wrap="square" rtlCol="0">
-            <a:spAutoFit/>
-          </a:bodyPr>
-          <a:lstStyle/>
-          <a:p>
-            <a:r>
-              <a:rPr lang="en-US" sz="2800" dirty="0"/>
-              <a:t>Our calculated optimal </a:t>
-            </a:r>
-            <a:r>
-              <a:rPr lang="el-GR" sz="2800" dirty="0"/>
-              <a:t>λ</a:t>
-            </a:r>
-            <a:r>
-              <a:rPr lang="en-US" sz="2800" dirty="0"/>
-              <a:t> = .1010... = 10/99, so we will use the convenient </a:t>
-            </a:r>
-            <a:r>
-              <a:rPr lang="el-GR" sz="2800" dirty="0"/>
-              <a:t>λ</a:t>
-            </a:r>
-            <a:r>
-              <a:rPr lang="en-US" sz="2800" dirty="0"/>
-              <a:t> = 0.</a:t>
-            </a:r>
-          </a:p>
-        </p:txBody>
-      </p:sp>
-    </p:spTree>
-    <p:extLst>
-      <p:ext uri="{BB962C8B-B14F-4D97-AF65-F5344CB8AC3E}">
-        <p14:creationId xmlns:p14="http://schemas.microsoft.com/office/powerpoint/2010/main" val="3012902433"/>
-      </p:ext>
-    </p:extLst>
-  </p:cSld>
-  <p:clrMapOvr>
-    <a:masterClrMapping/>
-  </p:clrMapOvr>
-</p:sld>
-</file>
-
-<file path=ppt/slides/slide28.xml><?xml version="1.0" encoding="utf-8"?>
 <p:sld xmlns:a="http://schemas.openxmlformats.org/drawingml/2006/main" xmlns:r="http://schemas.openxmlformats.org/officeDocument/2006/relationships" xmlns:p="http://schemas.openxmlformats.org/presentationml/2006/main">
   <p:cSld>
     <p:spTree>
@@ -16710,6 +16889,147 @@
 </p:sld>
 </file>
 
+<file path=ppt/slides/slide28.xml><?xml version="1.0" encoding="utf-8"?>
+<p:sld xmlns:a="http://schemas.openxmlformats.org/drawingml/2006/main" xmlns:r="http://schemas.openxmlformats.org/officeDocument/2006/relationships" xmlns:p="http://schemas.openxmlformats.org/presentationml/2006/main">
+  <p:cSld>
+    <p:spTree>
+      <p:nvGrpSpPr>
+        <p:cNvPr id="1" name=""/>
+        <p:cNvGrpSpPr/>
+        <p:nvPr/>
+      </p:nvGrpSpPr>
+      <p:grpSpPr>
+        <a:xfrm>
+          <a:off x="0" y="0"/>
+          <a:ext cx="0" cy="0"/>
+          <a:chOff x="0" y="0"/>
+          <a:chExt cx="0" cy="0"/>
+        </a:xfrm>
+      </p:grpSpPr>
+      <p:sp>
+        <p:nvSpPr>
+          <p:cNvPr id="2" name="Title 1">
+            <a:extLst>
+              <a:ext uri="{FF2B5EF4-FFF2-40B4-BE49-F238E27FC236}">
+                <a16:creationId xmlns:a16="http://schemas.microsoft.com/office/drawing/2014/main" id="{5F916C39-8CF8-4611-9B06-4893B2909BD8}"/>
+              </a:ext>
+            </a:extLst>
+          </p:cNvPr>
+          <p:cNvSpPr>
+            <a:spLocks noGrp="1"/>
+          </p:cNvSpPr>
+          <p:nvPr>
+            <p:ph type="title"/>
+          </p:nvPr>
+        </p:nvSpPr>
+        <p:spPr/>
+        <p:txBody>
+          <a:bodyPr/>
+          <a:lstStyle/>
+          <a:p>
+            <a:r>
+              <a:rPr lang="en-US" dirty="0"/>
+              <a:t>Boxcox Transformation</a:t>
+            </a:r>
+          </a:p>
+        </p:txBody>
+      </p:sp>
+      <p:pic>
+        <p:nvPicPr>
+          <p:cNvPr id="4" name="Content Placeholder 3">
+            <a:extLst>
+              <a:ext uri="{FF2B5EF4-FFF2-40B4-BE49-F238E27FC236}">
+                <a16:creationId xmlns:a16="http://schemas.microsoft.com/office/drawing/2014/main" id="{5CDF1864-693B-4C11-8224-4DBC662CFDDD}"/>
+              </a:ext>
+            </a:extLst>
+          </p:cNvPr>
+          <p:cNvPicPr>
+            <a:picLocks noGrp="1" noChangeAspect="1"/>
+          </p:cNvPicPr>
+          <p:nvPr>
+            <p:ph idx="1"/>
+          </p:nvPr>
+        </p:nvPicPr>
+        <p:blipFill>
+          <a:blip r:embed="rId2"/>
+          <a:stretch>
+            <a:fillRect/>
+          </a:stretch>
+        </p:blipFill>
+        <p:spPr>
+          <a:xfrm>
+            <a:off x="1998328" y="2459017"/>
+            <a:ext cx="7249347" cy="1939966"/>
+          </a:xfrm>
+          <a:prstGeom prst="rect">
+            <a:avLst/>
+          </a:prstGeom>
+        </p:spPr>
+      </p:pic>
+      <p:sp>
+        <p:nvSpPr>
+          <p:cNvPr id="5" name="TextBox 4">
+            <a:extLst>
+              <a:ext uri="{FF2B5EF4-FFF2-40B4-BE49-F238E27FC236}">
+                <a16:creationId xmlns:a16="http://schemas.microsoft.com/office/drawing/2014/main" id="{D2DDA59C-4ABE-4A6D-9B75-24928A35AD2A}"/>
+              </a:ext>
+            </a:extLst>
+          </p:cNvPr>
+          <p:cNvSpPr txBox="1"/>
+          <p:nvPr/>
+        </p:nvSpPr>
+        <p:spPr>
+          <a:xfrm>
+            <a:off x="1540042" y="4398982"/>
+            <a:ext cx="9320463" cy="954107"/>
+          </a:xfrm>
+          <a:prstGeom prst="rect">
+            <a:avLst/>
+          </a:prstGeom>
+          <a:noFill/>
+        </p:spPr>
+        <p:txBody>
+          <a:bodyPr wrap="square" rtlCol="0">
+            <a:spAutoFit/>
+          </a:bodyPr>
+          <a:lstStyle/>
+          <a:p>
+            <a:r>
+              <a:rPr lang="en-US" sz="2800" dirty="0"/>
+              <a:t>Our calculated optimal </a:t>
+            </a:r>
+            <a:r>
+              <a:rPr lang="el-GR" sz="2800" dirty="0"/>
+              <a:t>λ</a:t>
+            </a:r>
+            <a:r>
+              <a:rPr lang="en-US" sz="2800" dirty="0"/>
+              <a:t> = .1010... = 10/99, so we will use the convenient </a:t>
+            </a:r>
+            <a:r>
+              <a:rPr lang="el-GR" sz="2800" dirty="0"/>
+              <a:t>λ</a:t>
+            </a:r>
+            <a:r>
+              <a:rPr lang="en-US" sz="2800" dirty="0"/>
+              <a:t> = 0.</a:t>
+            </a:r>
+          </a:p>
+        </p:txBody>
+      </p:sp>
+    </p:spTree>
+    <p:extLst>
+      <p:ext uri="{BB962C8B-B14F-4D97-AF65-F5344CB8AC3E}">
+        <p14:creationId xmlns:p14="http://schemas.microsoft.com/office/powerpoint/2010/main" val="1329373044"/>
+      </p:ext>
+    </p:extLst>
+  </p:cSld>
+  <p:clrMapOvr>
+    <a:masterClrMapping/>
+  </p:clrMapOvr>
+</p:sld>
+</file>
+
 <file path=ppt/slides/slide29.xml><?xml version="1.0" encoding="utf-8"?>
 <p:sld xmlns:a="http://schemas.openxmlformats.org/drawingml/2006/main" xmlns:r="http://schemas.openxmlformats.org/officeDocument/2006/relationships" xmlns:p="http://schemas.openxmlformats.org/presentationml/2006/main">
   <p:cSld>
@@ -17076,7 +17396,7 @@
             </a:pPr>
             <a:r>
               <a:rPr lang="en-US" sz="2800" dirty="0"/>
-              <a:t>Since none of the explanatory variables have a VIF &gt; 10 (still greater than 5 if that’s what you use), multicollinearity will not be influencing the least square estimates. Thus, none of the variables will be excluded from the model.</a:t>
+              <a:t>Since none of the explanatory variables have a VIF &gt; 10 (still not greater than 5 if that’s what you use), multicollinearity will not be influencing the least square estimates. Thus, none of the variables will be excluded from the model.</a:t>
             </a:r>
           </a:p>
           <a:p>
@@ -17706,7 +18026,7 @@
           <p:nvPr/>
         </p:nvPicPr>
         <p:blipFill>
-          <a:blip r:embed="rId2"/>
+          <a:blip r:embed="rId3"/>
           <a:stretch>
             <a:fillRect/>
           </a:stretch>
@@ -17736,7 +18056,7 @@
           <p:nvPr/>
         </p:nvPicPr>
         <p:blipFill>
-          <a:blip r:embed="rId3"/>
+          <a:blip r:embed="rId4"/>
           <a:stretch>
             <a:fillRect/>
           </a:stretch>
